--- a/교육내용 ppt정리/220929_박준현_JAVA.pptx
+++ b/교육내용 ppt정리/220929_박준현_JAVA.pptx
@@ -12515,1243 +12515,770 @@
           </a:p>
         </p:txBody>
       </p:sp>
+      <p:pic>
+        <p:nvPicPr>
+          <p:cNvPr id="7" name="그림 6">
+            <a:extLst>
+              <a:ext uri="{FF2B5EF4-FFF2-40B4-BE49-F238E27FC236}">
+                <a16:creationId xmlns:a16="http://schemas.microsoft.com/office/drawing/2014/main" id="{1DB7B9A8-3F36-0BBE-ACB1-8C6FE6C746D1}"/>
+              </a:ext>
+            </a:extLst>
+          </p:cNvPr>
+          <p:cNvPicPr>
+            <a:picLocks noChangeAspect="1"/>
+          </p:cNvPicPr>
+          <p:nvPr/>
+        </p:nvPicPr>
+        <p:blipFill>
+          <a:blip r:embed="rId2"/>
+          <a:stretch>
+            <a:fillRect/>
+          </a:stretch>
+        </p:blipFill>
+        <p:spPr>
+          <a:xfrm>
+            <a:off x="6105262" y="3247243"/>
+            <a:ext cx="2219325" cy="657225"/>
+          </a:xfrm>
+          <a:prstGeom prst="rect">
+            <a:avLst/>
+          </a:prstGeom>
+        </p:spPr>
+      </p:pic>
       <p:sp>
         <p:nvSpPr>
-          <p:cNvPr id="4" name="직사각형 3"/>
+          <p:cNvPr id="9" name="직사각형 8">
+            <a:extLst>
+              <a:ext uri="{FF2B5EF4-FFF2-40B4-BE49-F238E27FC236}">
+                <a16:creationId xmlns:a16="http://schemas.microsoft.com/office/drawing/2014/main" id="{472FDD1A-3B5A-8992-B5BC-1B58C8DE0894}"/>
+              </a:ext>
+            </a:extLst>
+          </p:cNvPr>
           <p:cNvSpPr/>
           <p:nvPr/>
         </p:nvSpPr>
         <p:spPr>
           <a:xfrm>
-            <a:off x="6356467" y="940410"/>
-            <a:ext cx="4342014" cy="1938992"/>
+            <a:off x="1942053" y="2539975"/>
+            <a:ext cx="465588" cy="203225"/>
           </a:xfrm>
           <a:prstGeom prst="rect">
             <a:avLst/>
           </a:prstGeom>
-          <a:solidFill>
+          <a:noFill/>
+          <a:ln>
+            <a:solidFill>
+              <a:srgbClr val="FF0000"/>
+            </a:solidFill>
+          </a:ln>
+        </p:spPr>
+        <p:style>
+          <a:lnRef idx="2">
+            <a:schemeClr val="accent1">
+              <a:shade val="50000"/>
+            </a:schemeClr>
+          </a:lnRef>
+          <a:fillRef idx="1">
+            <a:schemeClr val="accent1"/>
+          </a:fillRef>
+          <a:effectRef idx="0">
+            <a:schemeClr val="accent1"/>
+          </a:effectRef>
+          <a:fontRef idx="minor">
+            <a:schemeClr val="lt1"/>
+          </a:fontRef>
+        </p:style>
+        <p:txBody>
+          <a:bodyPr rtlCol="0" anchor="ctr"/>
+          <a:lstStyle/>
+          <a:p>
+            <a:pPr algn="ctr"/>
+            <a:endParaRPr lang="ko-KR" altLang="en-US"/>
+          </a:p>
+        </p:txBody>
+      </p:sp>
+      <p:cxnSp>
+        <p:nvCxnSpPr>
+          <p:cNvPr id="10" name="직선 화살표 연결선 9">
+            <a:extLst>
+              <a:ext uri="{FF2B5EF4-FFF2-40B4-BE49-F238E27FC236}">
+                <a16:creationId xmlns:a16="http://schemas.microsoft.com/office/drawing/2014/main" id="{6FDDAFBF-D78F-C65C-2A0A-B7D22733FB30}"/>
+              </a:ext>
+            </a:extLst>
+          </p:cNvPr>
+          <p:cNvCxnSpPr>
+            <a:cxnSpLocks/>
+            <a:stCxn id="9" idx="3"/>
+            <a:endCxn id="11" idx="1"/>
+          </p:cNvCxnSpPr>
+          <p:nvPr/>
+        </p:nvCxnSpPr>
+        <p:spPr>
+          <a:xfrm flipV="1">
+            <a:off x="2407641" y="2641587"/>
+            <a:ext cx="3688359" cy="1"/>
+          </a:xfrm>
+          <a:prstGeom prst="straightConnector1">
+            <a:avLst/>
+          </a:prstGeom>
+          <a:ln w="19050">
+            <a:solidFill>
+              <a:srgbClr val="FF0000"/>
+            </a:solidFill>
+            <a:tailEnd type="triangle"/>
+          </a:ln>
+        </p:spPr>
+        <p:style>
+          <a:lnRef idx="1">
+            <a:schemeClr val="accent1"/>
+          </a:lnRef>
+          <a:fillRef idx="0">
+            <a:schemeClr val="accent1"/>
+          </a:fillRef>
+          <a:effectRef idx="0">
+            <a:schemeClr val="accent1"/>
+          </a:effectRef>
+          <a:fontRef idx="minor">
             <a:schemeClr val="tx1"/>
-          </a:solidFill>
+          </a:fontRef>
+        </p:style>
+      </p:cxnSp>
+      <p:sp>
+        <p:nvSpPr>
+          <p:cNvPr id="11" name="TextBox 10">
+            <a:extLst>
+              <a:ext uri="{FF2B5EF4-FFF2-40B4-BE49-F238E27FC236}">
+                <a16:creationId xmlns:a16="http://schemas.microsoft.com/office/drawing/2014/main" id="{AB431799-9A31-FFA7-D805-BAFDF6F780AE}"/>
+              </a:ext>
+            </a:extLst>
+          </p:cNvPr>
+          <p:cNvSpPr txBox="1"/>
+          <p:nvPr/>
+        </p:nvSpPr>
+        <p:spPr>
+          <a:xfrm>
+            <a:off x="6096000" y="2293062"/>
+            <a:ext cx="5836351" cy="697050"/>
+          </a:xfrm>
+          <a:prstGeom prst="rect">
+            <a:avLst/>
+          </a:prstGeom>
+          <a:noFill/>
         </p:spPr>
         <p:txBody>
-          <a:bodyPr wrap="square">
+          <a:bodyPr wrap="square" rtlCol="0">
             <a:spAutoFit/>
           </a:bodyPr>
           <a:lstStyle/>
           <a:p>
-            <a:r>
-              <a:rPr lang="en-US" altLang="ko-KR" sz="1200" dirty="0" err="1">
-                <a:solidFill>
-                  <a:srgbClr val="CC6C1D"/>
-                </a:solidFill>
-                <a:latin typeface="D2Coding" panose="020B0609020101020101" pitchFamily="49" charset="-127"/>
-                <a:ea typeface="D2Coding" panose="020B0609020101020101" pitchFamily="49" charset="-127"/>
-              </a:rPr>
-              <a:t>int</a:t>
-            </a:r>
-            <a:r>
-              <a:rPr lang="en-US" altLang="ko-KR" sz="1200" dirty="0">
-                <a:solidFill>
-                  <a:srgbClr val="D9E8F7"/>
-                </a:solidFill>
-                <a:latin typeface="D2Coding" panose="020B0609020101020101" pitchFamily="49" charset="-127"/>
-                <a:ea typeface="D2Coding" panose="020B0609020101020101" pitchFamily="49" charset="-127"/>
+            <a:pPr marL="285750" indent="-285750">
+              <a:lnSpc>
+                <a:spcPct val="150000"/>
+              </a:lnSpc>
+              <a:buFont typeface="Wingdings" panose="05000000000000000000" pitchFamily="2" charset="2"/>
+              <a:buChar char="§"/>
+            </a:pPr>
+            <a:r>
+              <a:rPr lang="en-US" altLang="ko-KR" sz="1400" dirty="0">
+                <a:latin typeface="맑은 고딕" panose="020B0503020000020004" pitchFamily="50" charset="-127"/>
+                <a:ea typeface="맑은 고딕" panose="020B0503020000020004" pitchFamily="50" charset="-127"/>
+              </a:rPr>
+              <a:t>switch</a:t>
+            </a:r>
+            <a:r>
+              <a:rPr lang="ko-KR" altLang="en-US" sz="1400" dirty="0">
+                <a:latin typeface="맑은 고딕" panose="020B0503020000020004" pitchFamily="50" charset="-127"/>
+                <a:ea typeface="맑은 고딕" panose="020B0503020000020004" pitchFamily="50" charset="-127"/>
+              </a:rPr>
+              <a:t>의 </a:t>
+            </a:r>
+            <a:r>
+              <a:rPr lang="ko-KR" altLang="en-US" sz="1400" dirty="0">
+                <a:solidFill>
+                  <a:srgbClr val="FF0000"/>
+                </a:solidFill>
+                <a:latin typeface="맑은 고딕" panose="020B0503020000020004" pitchFamily="50" charset="-127"/>
+                <a:ea typeface="맑은 고딕" panose="020B0503020000020004" pitchFamily="50" charset="-127"/>
+              </a:rPr>
+              <a:t>값에 </a:t>
+            </a:r>
+            <a:r>
+              <a:rPr lang="en-US" altLang="ko-KR" sz="1400" dirty="0">
+                <a:solidFill>
+                  <a:srgbClr val="FF0000"/>
+                </a:solidFill>
+                <a:latin typeface="맑은 고딕" panose="020B0503020000020004" pitchFamily="50" charset="-127"/>
+                <a:ea typeface="맑은 고딕" panose="020B0503020000020004" pitchFamily="50" charset="-127"/>
+              </a:rPr>
+              <a:t>n </a:t>
+            </a:r>
+            <a:r>
+              <a:rPr lang="ko-KR" altLang="en-US" sz="1400" dirty="0">
+                <a:solidFill>
+                  <a:srgbClr val="FF0000"/>
+                </a:solidFill>
+                <a:latin typeface="맑은 고딕" panose="020B0503020000020004" pitchFamily="50" charset="-127"/>
+                <a:ea typeface="맑은 고딕" panose="020B0503020000020004" pitchFamily="50" charset="-127"/>
+              </a:rPr>
+              <a:t>을 </a:t>
+            </a:r>
+            <a:r>
+              <a:rPr lang="en-US" altLang="ko-KR" sz="1400" dirty="0">
+                <a:solidFill>
+                  <a:srgbClr val="FF0000"/>
+                </a:solidFill>
+                <a:latin typeface="맑은 고딕" panose="020B0503020000020004" pitchFamily="50" charset="-127"/>
+                <a:ea typeface="맑은 고딕" panose="020B0503020000020004" pitchFamily="50" charset="-127"/>
+              </a:rPr>
+              <a:t>10</a:t>
+            </a:r>
+            <a:r>
+              <a:rPr lang="ko-KR" altLang="en-US" sz="1400" dirty="0">
+                <a:solidFill>
+                  <a:srgbClr val="FF0000"/>
+                </a:solidFill>
+                <a:latin typeface="맑은 고딕" panose="020B0503020000020004" pitchFamily="50" charset="-127"/>
+                <a:ea typeface="맑은 고딕" panose="020B0503020000020004" pitchFamily="50" charset="-127"/>
+              </a:rPr>
+              <a:t>으로 나눈 몫</a:t>
+            </a:r>
+            <a:r>
+              <a:rPr lang="ko-KR" altLang="en-US" sz="1400" dirty="0">
+                <a:latin typeface="맑은 고딕" panose="020B0503020000020004" pitchFamily="50" charset="-127"/>
+                <a:ea typeface="맑은 고딕" panose="020B0503020000020004" pitchFamily="50" charset="-127"/>
+              </a:rPr>
+              <a:t>으로 하여</a:t>
+            </a:r>
+            <a:r>
+              <a:rPr lang="en-US" altLang="ko-KR" sz="1400" dirty="0">
+                <a:latin typeface="맑은 고딕" panose="020B0503020000020004" pitchFamily="50" charset="-127"/>
+                <a:ea typeface="맑은 고딕" panose="020B0503020000020004" pitchFamily="50" charset="-127"/>
+              </a:rPr>
+              <a:t>,</a:t>
+            </a:r>
+          </a:p>
+          <a:p>
+            <a:pPr marL="285750" indent="-285750">
+              <a:lnSpc>
+                <a:spcPct val="150000"/>
+              </a:lnSpc>
+              <a:buFont typeface="Wingdings" panose="05000000000000000000" pitchFamily="2" charset="2"/>
+              <a:buChar char="§"/>
+            </a:pPr>
+            <a:r>
+              <a:rPr lang="ko-KR" altLang="en-US" sz="1400" dirty="0">
+                <a:latin typeface="맑은 고딕" panose="020B0503020000020004" pitchFamily="50" charset="-127"/>
+                <a:ea typeface="맑은 고딕" panose="020B0503020000020004" pitchFamily="50" charset="-127"/>
+              </a:rPr>
+              <a:t>몫이 </a:t>
+            </a:r>
+            <a:r>
+              <a:rPr lang="en-US" altLang="ko-KR" sz="1400" dirty="0">
+                <a:latin typeface="맑은 고딕" panose="020B0503020000020004" pitchFamily="50" charset="-127"/>
+                <a:ea typeface="맑은 고딕" panose="020B0503020000020004" pitchFamily="50" charset="-127"/>
+              </a:rPr>
+              <a:t>0</a:t>
+            </a:r>
+            <a:r>
+              <a:rPr lang="ko-KR" altLang="en-US" sz="1400" dirty="0">
+                <a:latin typeface="맑은 고딕" panose="020B0503020000020004" pitchFamily="50" charset="-127"/>
+                <a:ea typeface="맑은 고딕" panose="020B0503020000020004" pitchFamily="50" charset="-127"/>
+              </a:rPr>
+              <a:t>이면 </a:t>
+            </a:r>
+            <a:r>
+              <a:rPr lang="en-US" altLang="ko-KR" sz="1400" dirty="0">
+                <a:latin typeface="맑은 고딕" panose="020B0503020000020004" pitchFamily="50" charset="-127"/>
+                <a:ea typeface="맑은 고딕" panose="020B0503020000020004" pitchFamily="50" charset="-127"/>
+              </a:rPr>
+              <a:t>0~9</a:t>
+            </a:r>
+            <a:r>
+              <a:rPr lang="ko-KR" altLang="en-US" sz="1400" dirty="0">
+                <a:latin typeface="맑은 고딕" panose="020B0503020000020004" pitchFamily="50" charset="-127"/>
+                <a:ea typeface="맑은 고딕" panose="020B0503020000020004" pitchFamily="50" charset="-127"/>
+              </a:rPr>
+              <a:t>의 수</a:t>
+            </a:r>
+            <a:r>
+              <a:rPr lang="en-US" altLang="ko-KR" sz="1400" dirty="0">
+                <a:latin typeface="맑은 고딕" panose="020B0503020000020004" pitchFamily="50" charset="-127"/>
+                <a:ea typeface="맑은 고딕" panose="020B0503020000020004" pitchFamily="50" charset="-127"/>
+              </a:rPr>
+              <a:t>, 1</a:t>
+            </a:r>
+            <a:r>
+              <a:rPr lang="ko-KR" altLang="en-US" sz="1400" dirty="0">
+                <a:latin typeface="맑은 고딕" panose="020B0503020000020004" pitchFamily="50" charset="-127"/>
+                <a:ea typeface="맑은 고딕" panose="020B0503020000020004" pitchFamily="50" charset="-127"/>
+              </a:rPr>
+              <a:t>이면 </a:t>
+            </a:r>
+            <a:r>
+              <a:rPr lang="en-US" altLang="ko-KR" sz="1400" dirty="0">
+                <a:latin typeface="맑은 고딕" panose="020B0503020000020004" pitchFamily="50" charset="-127"/>
+                <a:ea typeface="맑은 고딕" panose="020B0503020000020004" pitchFamily="50" charset="-127"/>
+              </a:rPr>
+              <a:t>10~19</a:t>
+            </a:r>
+            <a:r>
+              <a:rPr lang="ko-KR" altLang="en-US" sz="1400" dirty="0">
+                <a:latin typeface="맑은 고딕" panose="020B0503020000020004" pitchFamily="50" charset="-127"/>
+                <a:ea typeface="맑은 고딕" panose="020B0503020000020004" pitchFamily="50" charset="-127"/>
+              </a:rPr>
+              <a:t>의 수</a:t>
+            </a:r>
+            <a:r>
+              <a:rPr lang="en-US" altLang="ko-KR" sz="1400" dirty="0">
+                <a:latin typeface="맑은 고딕" panose="020B0503020000020004" pitchFamily="50" charset="-127"/>
+                <a:ea typeface="맑은 고딕" panose="020B0503020000020004" pitchFamily="50" charset="-127"/>
+              </a:rPr>
+              <a:t>, 2</a:t>
+            </a:r>
+            <a:r>
+              <a:rPr lang="ko-KR" altLang="en-US" sz="1400" dirty="0">
+                <a:latin typeface="맑은 고딕" panose="020B0503020000020004" pitchFamily="50" charset="-127"/>
+                <a:ea typeface="맑은 고딕" panose="020B0503020000020004" pitchFamily="50" charset="-127"/>
+              </a:rPr>
+              <a:t>이면 </a:t>
+            </a:r>
+            <a:r>
+              <a:rPr lang="en-US" altLang="ko-KR" sz="1400" dirty="0">
+                <a:latin typeface="맑은 고딕" panose="020B0503020000020004" pitchFamily="50" charset="-127"/>
+                <a:ea typeface="맑은 고딕" panose="020B0503020000020004" pitchFamily="50" charset="-127"/>
+              </a:rPr>
+              <a:t>20~29</a:t>
+            </a:r>
+            <a:r>
+              <a:rPr lang="ko-KR" altLang="en-US" sz="1400" dirty="0">
+                <a:latin typeface="맑은 고딕" panose="020B0503020000020004" pitchFamily="50" charset="-127"/>
+                <a:ea typeface="맑은 고딕" panose="020B0503020000020004" pitchFamily="50" charset="-127"/>
+              </a:rPr>
+              <a:t>를 구분한다</a:t>
+            </a:r>
+            <a:r>
+              <a:rPr lang="en-US" altLang="ko-KR" sz="1400" dirty="0">
+                <a:latin typeface="맑은 고딕" panose="020B0503020000020004" pitchFamily="50" charset="-127"/>
+                <a:ea typeface="맑은 고딕" panose="020B0503020000020004" pitchFamily="50" charset="-127"/>
+              </a:rPr>
+              <a:t>.</a:t>
+            </a:r>
+            <a:r>
+              <a:rPr lang="ko-KR" altLang="en-US" sz="1400" dirty="0">
+                <a:latin typeface="맑은 고딕" panose="020B0503020000020004" pitchFamily="50" charset="-127"/>
+                <a:ea typeface="맑은 고딕" panose="020B0503020000020004" pitchFamily="50" charset="-127"/>
               </a:rPr>
               <a:t> </a:t>
             </a:r>
-            <a:r>
-              <a:rPr lang="en-US" altLang="ko-KR" sz="1200" dirty="0">
-                <a:solidFill>
-                  <a:srgbClr val="F2F200"/>
-                </a:solidFill>
-                <a:latin typeface="D2Coding" panose="020B0609020101020101" pitchFamily="49" charset="-127"/>
-                <a:ea typeface="D2Coding" panose="020B0609020101020101" pitchFamily="49" charset="-127"/>
+            <a:endParaRPr lang="en-US" altLang="ko-KR" sz="1400" dirty="0">
+              <a:latin typeface="맑은 고딕" panose="020B0503020000020004" pitchFamily="50" charset="-127"/>
+              <a:ea typeface="맑은 고딕" panose="020B0503020000020004" pitchFamily="50" charset="-127"/>
+            </a:endParaRPr>
+          </a:p>
+        </p:txBody>
+      </p:sp>
+      <p:sp>
+        <p:nvSpPr>
+          <p:cNvPr id="12" name="직사각형 11">
+            <a:extLst>
+              <a:ext uri="{FF2B5EF4-FFF2-40B4-BE49-F238E27FC236}">
+                <a16:creationId xmlns:a16="http://schemas.microsoft.com/office/drawing/2014/main" id="{5FB2D1EB-288F-1620-F9F3-2559F073A72D}"/>
+              </a:ext>
+            </a:extLst>
+          </p:cNvPr>
+          <p:cNvSpPr/>
+          <p:nvPr/>
+        </p:nvSpPr>
+        <p:spPr>
+          <a:xfrm>
+            <a:off x="6096000" y="3615064"/>
+            <a:ext cx="2228587" cy="289404"/>
+          </a:xfrm>
+          <a:prstGeom prst="rect">
+            <a:avLst/>
+          </a:prstGeom>
+          <a:noFill/>
+          <a:ln>
+            <a:solidFill>
+              <a:srgbClr val="FF0000"/>
+            </a:solidFill>
+          </a:ln>
+        </p:spPr>
+        <p:style>
+          <a:lnRef idx="2">
+            <a:schemeClr val="accent1">
+              <a:shade val="50000"/>
+            </a:schemeClr>
+          </a:lnRef>
+          <a:fillRef idx="1">
+            <a:schemeClr val="accent1"/>
+          </a:fillRef>
+          <a:effectRef idx="0">
+            <a:schemeClr val="accent1"/>
+          </a:effectRef>
+          <a:fontRef idx="minor">
+            <a:schemeClr val="lt1"/>
+          </a:fontRef>
+        </p:style>
+        <p:txBody>
+          <a:bodyPr rtlCol="0" anchor="ctr"/>
+          <a:lstStyle/>
+          <a:p>
+            <a:pPr algn="ctr"/>
+            <a:endParaRPr lang="ko-KR" altLang="en-US"/>
+          </a:p>
+        </p:txBody>
+      </p:sp>
+      <p:cxnSp>
+        <p:nvCxnSpPr>
+          <p:cNvPr id="18" name="구부러진 연결선 35">
+            <a:extLst>
+              <a:ext uri="{FF2B5EF4-FFF2-40B4-BE49-F238E27FC236}">
+                <a16:creationId xmlns:a16="http://schemas.microsoft.com/office/drawing/2014/main" id="{80ADBF3F-BDD7-C7CB-57AF-48D73DD1F466}"/>
+              </a:ext>
+            </a:extLst>
+          </p:cNvPr>
+          <p:cNvCxnSpPr>
+            <a:cxnSpLocks/>
+            <a:stCxn id="9" idx="1"/>
+            <a:endCxn id="21" idx="1"/>
+          </p:cNvCxnSpPr>
+          <p:nvPr/>
+        </p:nvCxnSpPr>
+        <p:spPr>
+          <a:xfrm rot="10800000" flipV="1">
+            <a:off x="1410147" y="2641588"/>
+            <a:ext cx="531906" cy="1449380"/>
+          </a:xfrm>
+          <a:prstGeom prst="curvedConnector3">
+            <a:avLst>
+              <a:gd name="adj1" fmla="val 199756"/>
+            </a:avLst>
+          </a:prstGeom>
+          <a:ln w="12700">
+            <a:solidFill>
+              <a:srgbClr val="FF0000"/>
+            </a:solidFill>
+            <a:tailEnd type="triangle"/>
+          </a:ln>
+        </p:spPr>
+        <p:style>
+          <a:lnRef idx="1">
+            <a:schemeClr val="accent1"/>
+          </a:lnRef>
+          <a:fillRef idx="0">
+            <a:schemeClr val="accent1"/>
+          </a:fillRef>
+          <a:effectRef idx="0">
+            <a:schemeClr val="accent1"/>
+          </a:effectRef>
+          <a:fontRef idx="minor">
+            <a:schemeClr val="tx1"/>
+          </a:fontRef>
+        </p:style>
+      </p:cxnSp>
+      <p:sp>
+        <p:nvSpPr>
+          <p:cNvPr id="21" name="직사각형 20">
+            <a:extLst>
+              <a:ext uri="{FF2B5EF4-FFF2-40B4-BE49-F238E27FC236}">
+                <a16:creationId xmlns:a16="http://schemas.microsoft.com/office/drawing/2014/main" id="{DAFF26EB-942E-EB75-EBA9-FE1F02131FCA}"/>
+              </a:ext>
+            </a:extLst>
+          </p:cNvPr>
+          <p:cNvSpPr/>
+          <p:nvPr/>
+        </p:nvSpPr>
+        <p:spPr>
+          <a:xfrm>
+            <a:off x="1410147" y="3809660"/>
+            <a:ext cx="3606469" cy="562615"/>
+          </a:xfrm>
+          <a:prstGeom prst="rect">
+            <a:avLst/>
+          </a:prstGeom>
+          <a:noFill/>
+          <a:ln>
+            <a:solidFill>
+              <a:srgbClr val="FF0000"/>
+            </a:solidFill>
+          </a:ln>
+        </p:spPr>
+        <p:style>
+          <a:lnRef idx="2">
+            <a:schemeClr val="accent1">
+              <a:shade val="50000"/>
+            </a:schemeClr>
+          </a:lnRef>
+          <a:fillRef idx="1">
+            <a:schemeClr val="accent1"/>
+          </a:fillRef>
+          <a:effectRef idx="0">
+            <a:schemeClr val="accent1"/>
+          </a:effectRef>
+          <a:fontRef idx="minor">
+            <a:schemeClr val="lt1"/>
+          </a:fontRef>
+        </p:style>
+        <p:txBody>
+          <a:bodyPr rtlCol="0" anchor="ctr"/>
+          <a:lstStyle/>
+          <a:p>
+            <a:pPr algn="ctr"/>
+            <a:endParaRPr lang="ko-KR" altLang="en-US"/>
+          </a:p>
+        </p:txBody>
+      </p:sp>
+      <p:sp>
+        <p:nvSpPr>
+          <p:cNvPr id="25" name="TextBox 24">
+            <a:extLst>
+              <a:ext uri="{FF2B5EF4-FFF2-40B4-BE49-F238E27FC236}">
+                <a16:creationId xmlns:a16="http://schemas.microsoft.com/office/drawing/2014/main" id="{967251E3-D94D-37ED-937E-09EBBA439667}"/>
+              </a:ext>
+            </a:extLst>
+          </p:cNvPr>
+          <p:cNvSpPr txBox="1"/>
+          <p:nvPr/>
+        </p:nvSpPr>
+        <p:spPr>
+          <a:xfrm>
+            <a:off x="6105262" y="4159232"/>
+            <a:ext cx="5836351" cy="697050"/>
+          </a:xfrm>
+          <a:prstGeom prst="rect">
+            <a:avLst/>
+          </a:prstGeom>
+          <a:noFill/>
+        </p:spPr>
+        <p:txBody>
+          <a:bodyPr wrap="square" rtlCol="0">
+            <a:spAutoFit/>
+          </a:bodyPr>
+          <a:lstStyle/>
+          <a:p>
+            <a:pPr marL="285750" indent="-285750">
+              <a:lnSpc>
+                <a:spcPct val="150000"/>
+              </a:lnSpc>
+              <a:buFont typeface="Wingdings" panose="05000000000000000000" pitchFamily="2" charset="2"/>
+              <a:buChar char="§"/>
+            </a:pPr>
+            <a:r>
+              <a:rPr lang="en-US" altLang="ko-KR" sz="1400" dirty="0">
+                <a:latin typeface="맑은 고딕" panose="020B0503020000020004" pitchFamily="50" charset="-127"/>
+                <a:ea typeface="맑은 고딕" panose="020B0503020000020004" pitchFamily="50" charset="-127"/>
               </a:rPr>
               <a:t>n</a:t>
             </a:r>
             <a:r>
-              <a:rPr lang="en-US" altLang="ko-KR" sz="1200" dirty="0">
-                <a:solidFill>
-                  <a:srgbClr val="D9E8F7"/>
-                </a:solidFill>
-                <a:latin typeface="D2Coding" panose="020B0609020101020101" pitchFamily="49" charset="-127"/>
-                <a:ea typeface="D2Coding" panose="020B0609020101020101" pitchFamily="49" charset="-127"/>
+              <a:rPr lang="ko-KR" altLang="en-US" sz="1400" dirty="0">
+                <a:latin typeface="맑은 고딕" panose="020B0503020000020004" pitchFamily="50" charset="-127"/>
+                <a:ea typeface="맑은 고딕" panose="020B0503020000020004" pitchFamily="50" charset="-127"/>
+              </a:rPr>
+              <a:t>의 값이 </a:t>
+            </a:r>
+            <a:r>
+              <a:rPr lang="en-US" altLang="ko-KR" sz="1400" dirty="0">
+                <a:latin typeface="맑은 고딕" panose="020B0503020000020004" pitchFamily="50" charset="-127"/>
+                <a:ea typeface="맑은 고딕" panose="020B0503020000020004" pitchFamily="50" charset="-127"/>
+              </a:rPr>
+              <a:t>24</a:t>
+            </a:r>
+            <a:r>
+              <a:rPr lang="ko-KR" altLang="en-US" sz="1400" dirty="0">
+                <a:latin typeface="맑은 고딕" panose="020B0503020000020004" pitchFamily="50" charset="-127"/>
+                <a:ea typeface="맑은 고딕" panose="020B0503020000020004" pitchFamily="50" charset="-127"/>
+              </a:rPr>
+              <a:t>이므로 </a:t>
+            </a:r>
+            <a:r>
+              <a:rPr lang="en-US" altLang="ko-KR" sz="1400" dirty="0">
+                <a:solidFill>
+                  <a:srgbClr val="FF0000"/>
+                </a:solidFill>
+                <a:latin typeface="맑은 고딕" panose="020B0503020000020004" pitchFamily="50" charset="-127"/>
+                <a:ea typeface="맑은 고딕" panose="020B0503020000020004" pitchFamily="50" charset="-127"/>
+              </a:rPr>
+              <a:t>n/10 </a:t>
+            </a:r>
+            <a:r>
+              <a:rPr lang="ko-KR" altLang="en-US" sz="1400" dirty="0">
+                <a:solidFill>
+                  <a:srgbClr val="FF0000"/>
+                </a:solidFill>
+                <a:latin typeface="맑은 고딕" panose="020B0503020000020004" pitchFamily="50" charset="-127"/>
+                <a:ea typeface="맑은 고딕" panose="020B0503020000020004" pitchFamily="50" charset="-127"/>
+              </a:rPr>
+              <a:t>값은 </a:t>
+            </a:r>
+            <a:r>
+              <a:rPr lang="en-US" altLang="ko-KR" sz="1400" dirty="0">
+                <a:solidFill>
+                  <a:srgbClr val="FF0000"/>
+                </a:solidFill>
+                <a:latin typeface="맑은 고딕" panose="020B0503020000020004" pitchFamily="50" charset="-127"/>
+                <a:ea typeface="맑은 고딕" panose="020B0503020000020004" pitchFamily="50" charset="-127"/>
+              </a:rPr>
+              <a:t>2</a:t>
+            </a:r>
+            <a:r>
+              <a:rPr lang="ko-KR" altLang="en-US" sz="1400" dirty="0">
+                <a:latin typeface="맑은 고딕" panose="020B0503020000020004" pitchFamily="50" charset="-127"/>
+                <a:ea typeface="맑은 고딕" panose="020B0503020000020004" pitchFamily="50" charset="-127"/>
+              </a:rPr>
+              <a:t>가 된다</a:t>
+            </a:r>
+            <a:r>
+              <a:rPr lang="en-US" altLang="ko-KR" sz="1400" dirty="0">
+                <a:latin typeface="맑은 고딕" panose="020B0503020000020004" pitchFamily="50" charset="-127"/>
+                <a:ea typeface="맑은 고딕" panose="020B0503020000020004" pitchFamily="50" charset="-127"/>
+              </a:rPr>
+              <a:t>.</a:t>
+            </a:r>
+          </a:p>
+          <a:p>
+            <a:pPr marL="285750" indent="-285750">
+              <a:lnSpc>
+                <a:spcPct val="150000"/>
+              </a:lnSpc>
+              <a:buFont typeface="Wingdings" panose="05000000000000000000" pitchFamily="2" charset="2"/>
+              <a:buChar char="§"/>
+            </a:pPr>
+            <a:r>
+              <a:rPr lang="ko-KR" altLang="en-US" sz="1400" dirty="0">
+                <a:latin typeface="맑은 고딕" panose="020B0503020000020004" pitchFamily="50" charset="-127"/>
+                <a:ea typeface="맑은 고딕" panose="020B0503020000020004" pitchFamily="50" charset="-127"/>
+              </a:rPr>
+              <a:t>따라서</a:t>
+            </a:r>
+            <a:r>
+              <a:rPr lang="en-US" altLang="ko-KR" sz="1400" dirty="0">
+                <a:latin typeface="맑은 고딕" panose="020B0503020000020004" pitchFamily="50" charset="-127"/>
+                <a:ea typeface="맑은 고딕" panose="020B0503020000020004" pitchFamily="50" charset="-127"/>
+              </a:rPr>
+              <a:t>, </a:t>
+            </a:r>
+            <a:r>
+              <a:rPr lang="en-US" altLang="ko-KR" sz="1400" dirty="0">
+                <a:solidFill>
+                  <a:srgbClr val="FF0000"/>
+                </a:solidFill>
+                <a:latin typeface="맑은 고딕" panose="020B0503020000020004" pitchFamily="50" charset="-127"/>
+                <a:ea typeface="맑은 고딕" panose="020B0503020000020004" pitchFamily="50" charset="-127"/>
+              </a:rPr>
+              <a:t>case</a:t>
+            </a:r>
+            <a:r>
+              <a:rPr lang="ko-KR" altLang="en-US" sz="1400" dirty="0">
+                <a:solidFill>
+                  <a:srgbClr val="FF0000"/>
+                </a:solidFill>
+                <a:latin typeface="맑은 고딕" panose="020B0503020000020004" pitchFamily="50" charset="-127"/>
+                <a:ea typeface="맑은 고딕" panose="020B0503020000020004" pitchFamily="50" charset="-127"/>
               </a:rPr>
               <a:t> </a:t>
             </a:r>
             <a:r>
-              <a:rPr lang="en-US" altLang="ko-KR" sz="1200" dirty="0">
-                <a:solidFill>
-                  <a:srgbClr val="E6E6FA"/>
-                </a:solidFill>
-                <a:latin typeface="D2Coding" panose="020B0609020101020101" pitchFamily="49" charset="-127"/>
-                <a:ea typeface="D2Coding" panose="020B0609020101020101" pitchFamily="49" charset="-127"/>
-              </a:rPr>
-              <a:t>=</a:t>
-            </a:r>
-            <a:r>
-              <a:rPr lang="en-US" altLang="ko-KR" sz="1200" dirty="0">
-                <a:solidFill>
-                  <a:srgbClr val="D9E8F7"/>
-                </a:solidFill>
-                <a:latin typeface="D2Coding" panose="020B0609020101020101" pitchFamily="49" charset="-127"/>
-                <a:ea typeface="D2Coding" panose="020B0609020101020101" pitchFamily="49" charset="-127"/>
+              <a:rPr lang="en-US" altLang="ko-KR" sz="1400" dirty="0">
+                <a:solidFill>
+                  <a:srgbClr val="FF0000"/>
+                </a:solidFill>
+                <a:latin typeface="맑은 고딕" panose="020B0503020000020004" pitchFamily="50" charset="-127"/>
+                <a:ea typeface="맑은 고딕" panose="020B0503020000020004" pitchFamily="50" charset="-127"/>
+              </a:rPr>
+              <a:t>2</a:t>
+            </a:r>
+            <a:r>
+              <a:rPr lang="ko-KR" altLang="en-US" sz="1400" dirty="0">
+                <a:solidFill>
+                  <a:srgbClr val="FF0000"/>
+                </a:solidFill>
+                <a:latin typeface="맑은 고딕" panose="020B0503020000020004" pitchFamily="50" charset="-127"/>
+                <a:ea typeface="맑은 고딕" panose="020B0503020000020004" pitchFamily="50" charset="-127"/>
+              </a:rPr>
+              <a:t>로 바로 이동</a:t>
+            </a:r>
+            <a:r>
+              <a:rPr lang="ko-KR" altLang="en-US" sz="1400" dirty="0">
+                <a:latin typeface="맑은 고딕" panose="020B0503020000020004" pitchFamily="50" charset="-127"/>
+                <a:ea typeface="맑은 고딕" panose="020B0503020000020004" pitchFamily="50" charset="-127"/>
+              </a:rPr>
+              <a:t>하여</a:t>
+            </a:r>
+            <a:r>
+              <a:rPr lang="ko-KR" altLang="en-US" sz="1400" dirty="0">
+                <a:solidFill>
+                  <a:srgbClr val="FF0000"/>
+                </a:solidFill>
+                <a:latin typeface="맑은 고딕" panose="020B0503020000020004" pitchFamily="50" charset="-127"/>
+                <a:ea typeface="맑은 고딕" panose="020B0503020000020004" pitchFamily="50" charset="-127"/>
               </a:rPr>
               <a:t> </a:t>
             </a:r>
             <a:r>
-              <a:rPr lang="en-US" altLang="ko-KR" sz="1200" dirty="0">
-                <a:solidFill>
-                  <a:srgbClr val="6897BB"/>
-                </a:solidFill>
-                <a:latin typeface="D2Coding" panose="020B0609020101020101" pitchFamily="49" charset="-127"/>
-                <a:ea typeface="D2Coding" panose="020B0609020101020101" pitchFamily="49" charset="-127"/>
-              </a:rPr>
-              <a:t>24</a:t>
-            </a:r>
-            <a:r>
-              <a:rPr lang="en-US" altLang="ko-KR" sz="1200" dirty="0">
-                <a:solidFill>
-                  <a:srgbClr val="E6E6FA"/>
-                </a:solidFill>
-                <a:latin typeface="D2Coding" panose="020B0609020101020101" pitchFamily="49" charset="-127"/>
-                <a:ea typeface="D2Coding" panose="020B0609020101020101" pitchFamily="49" charset="-127"/>
-              </a:rPr>
-              <a:t>;</a:t>
-            </a:r>
-          </a:p>
-          <a:p>
-            <a:endParaRPr lang="ko-KR" altLang="en-US" sz="1200" dirty="0">
-              <a:latin typeface="D2Coding" panose="020B0609020101020101" pitchFamily="49" charset="-127"/>
-              <a:ea typeface="D2Coding" panose="020B0609020101020101" pitchFamily="49" charset="-127"/>
-            </a:endParaRPr>
-          </a:p>
-          <a:p>
-            <a:r>
-              <a:rPr lang="pt-BR" altLang="ko-KR" sz="1200" dirty="0">
-                <a:solidFill>
-                  <a:srgbClr val="CC6C1D"/>
-                </a:solidFill>
-                <a:latin typeface="D2Coding" panose="020B0609020101020101" pitchFamily="49" charset="-127"/>
-                <a:ea typeface="D2Coding" panose="020B0609020101020101" pitchFamily="49" charset="-127"/>
-              </a:rPr>
-              <a:t>if</a:t>
-            </a:r>
-            <a:r>
-              <a:rPr lang="pt-BR" altLang="ko-KR" sz="1200" dirty="0">
-                <a:solidFill>
-                  <a:srgbClr val="D9E8F7"/>
-                </a:solidFill>
-                <a:latin typeface="D2Coding" panose="020B0609020101020101" pitchFamily="49" charset="-127"/>
-                <a:ea typeface="D2Coding" panose="020B0609020101020101" pitchFamily="49" charset="-127"/>
+              <a:rPr lang="en-US" altLang="ko-KR" sz="1400" dirty="0">
+                <a:latin typeface="맑은 고딕" panose="020B0503020000020004" pitchFamily="50" charset="-127"/>
+                <a:ea typeface="맑은 고딕" panose="020B0503020000020004" pitchFamily="50" charset="-127"/>
+              </a:rPr>
+              <a:t>“20</a:t>
+            </a:r>
+            <a:r>
+              <a:rPr lang="ko-KR" altLang="en-US" sz="1400" dirty="0">
+                <a:latin typeface="맑은 고딕" panose="020B0503020000020004" pitchFamily="50" charset="-127"/>
+                <a:ea typeface="맑은 고딕" panose="020B0503020000020004" pitchFamily="50" charset="-127"/>
+              </a:rPr>
+              <a:t>이상 </a:t>
+            </a:r>
+            <a:r>
+              <a:rPr lang="en-US" altLang="ko-KR" sz="1400" dirty="0">
+                <a:latin typeface="맑은 고딕" panose="020B0503020000020004" pitchFamily="50" charset="-127"/>
+                <a:ea typeface="맑은 고딕" panose="020B0503020000020004" pitchFamily="50" charset="-127"/>
+              </a:rPr>
+              <a:t>30</a:t>
+            </a:r>
+            <a:r>
+              <a:rPr lang="ko-KR" altLang="en-US" sz="1400" dirty="0">
+                <a:latin typeface="맑은 고딕" panose="020B0503020000020004" pitchFamily="50" charset="-127"/>
+                <a:ea typeface="맑은 고딕" panose="020B0503020000020004" pitchFamily="50" charset="-127"/>
+              </a:rPr>
+              <a:t>미만의 수</a:t>
+            </a:r>
+            <a:r>
+              <a:rPr lang="en-US" altLang="ko-KR" sz="1400" dirty="0">
+                <a:latin typeface="맑은 고딕" panose="020B0503020000020004" pitchFamily="50" charset="-127"/>
+                <a:ea typeface="맑은 고딕" panose="020B0503020000020004" pitchFamily="50" charset="-127"/>
+              </a:rPr>
+              <a:t>“</a:t>
+            </a:r>
+            <a:r>
+              <a:rPr lang="ko-KR" altLang="en-US" sz="1400" dirty="0">
+                <a:latin typeface="맑은 고딕" panose="020B0503020000020004" pitchFamily="50" charset="-127"/>
+                <a:ea typeface="맑은 고딕" panose="020B0503020000020004" pitchFamily="50" charset="-127"/>
+              </a:rPr>
+              <a:t>를</a:t>
+            </a:r>
+            <a:r>
+              <a:rPr lang="en-US" altLang="ko-KR" sz="1400" dirty="0">
+                <a:latin typeface="맑은 고딕" panose="020B0503020000020004" pitchFamily="50" charset="-127"/>
+                <a:ea typeface="맑은 고딕" panose="020B0503020000020004" pitchFamily="50" charset="-127"/>
               </a:rPr>
               <a:t> </a:t>
             </a:r>
             <a:r>
-              <a:rPr lang="pt-BR" altLang="ko-KR" sz="1200" dirty="0">
-                <a:solidFill>
-                  <a:srgbClr val="F9FAF4"/>
-                </a:solidFill>
-                <a:latin typeface="D2Coding" panose="020B0609020101020101" pitchFamily="49" charset="-127"/>
-                <a:ea typeface="D2Coding" panose="020B0609020101020101" pitchFamily="49" charset="-127"/>
-              </a:rPr>
-              <a:t>(</a:t>
-            </a:r>
-            <a:r>
-              <a:rPr lang="pt-BR" altLang="ko-KR" sz="1200" dirty="0">
-                <a:solidFill>
-                  <a:srgbClr val="F3EC79"/>
-                </a:solidFill>
-                <a:latin typeface="D2Coding" panose="020B0609020101020101" pitchFamily="49" charset="-127"/>
-                <a:ea typeface="D2Coding" panose="020B0609020101020101" pitchFamily="49" charset="-127"/>
-              </a:rPr>
-              <a:t>n</a:t>
-            </a:r>
-            <a:r>
-              <a:rPr lang="pt-BR" altLang="ko-KR" sz="1200" dirty="0">
-                <a:solidFill>
-                  <a:srgbClr val="D9E8F7"/>
-                </a:solidFill>
-                <a:latin typeface="D2Coding" panose="020B0609020101020101" pitchFamily="49" charset="-127"/>
-                <a:ea typeface="D2Coding" panose="020B0609020101020101" pitchFamily="49" charset="-127"/>
-              </a:rPr>
-              <a:t> </a:t>
-            </a:r>
-            <a:r>
-              <a:rPr lang="pt-BR" altLang="ko-KR" sz="1200" dirty="0">
-                <a:solidFill>
-                  <a:srgbClr val="E6E6FA"/>
-                </a:solidFill>
-                <a:latin typeface="D2Coding" panose="020B0609020101020101" pitchFamily="49" charset="-127"/>
-                <a:ea typeface="D2Coding" panose="020B0609020101020101" pitchFamily="49" charset="-127"/>
-              </a:rPr>
-              <a:t>&gt;=</a:t>
-            </a:r>
-            <a:r>
-              <a:rPr lang="pt-BR" altLang="ko-KR" sz="1200" dirty="0">
-                <a:solidFill>
-                  <a:srgbClr val="D9E8F7"/>
-                </a:solidFill>
-                <a:latin typeface="D2Coding" panose="020B0609020101020101" pitchFamily="49" charset="-127"/>
-                <a:ea typeface="D2Coding" panose="020B0609020101020101" pitchFamily="49" charset="-127"/>
-              </a:rPr>
-              <a:t> </a:t>
-            </a:r>
-            <a:r>
-              <a:rPr lang="pt-BR" altLang="ko-KR" sz="1200" dirty="0">
-                <a:solidFill>
-                  <a:srgbClr val="6897BB"/>
-                </a:solidFill>
-                <a:latin typeface="D2Coding" panose="020B0609020101020101" pitchFamily="49" charset="-127"/>
-                <a:ea typeface="D2Coding" panose="020B0609020101020101" pitchFamily="49" charset="-127"/>
-              </a:rPr>
-              <a:t>0</a:t>
-            </a:r>
-            <a:r>
-              <a:rPr lang="pt-BR" altLang="ko-KR" sz="1200" dirty="0">
-                <a:solidFill>
-                  <a:srgbClr val="D9E8F7"/>
-                </a:solidFill>
-                <a:latin typeface="D2Coding" panose="020B0609020101020101" pitchFamily="49" charset="-127"/>
-                <a:ea typeface="D2Coding" panose="020B0609020101020101" pitchFamily="49" charset="-127"/>
-              </a:rPr>
-              <a:t> </a:t>
-            </a:r>
-            <a:r>
-              <a:rPr lang="pt-BR" altLang="ko-KR" sz="1200" dirty="0">
-                <a:solidFill>
-                  <a:srgbClr val="E6E6FA"/>
-                </a:solidFill>
-                <a:latin typeface="D2Coding" panose="020B0609020101020101" pitchFamily="49" charset="-127"/>
-                <a:ea typeface="D2Coding" panose="020B0609020101020101" pitchFamily="49" charset="-127"/>
-              </a:rPr>
-              <a:t>&amp;&amp;</a:t>
-            </a:r>
-            <a:r>
-              <a:rPr lang="pt-BR" altLang="ko-KR" sz="1200" dirty="0">
-                <a:solidFill>
-                  <a:srgbClr val="D9E8F7"/>
-                </a:solidFill>
-                <a:latin typeface="D2Coding" panose="020B0609020101020101" pitchFamily="49" charset="-127"/>
-                <a:ea typeface="D2Coding" panose="020B0609020101020101" pitchFamily="49" charset="-127"/>
-              </a:rPr>
-              <a:t> </a:t>
-            </a:r>
-            <a:r>
-              <a:rPr lang="pt-BR" altLang="ko-KR" sz="1200" dirty="0">
-                <a:solidFill>
-                  <a:srgbClr val="F3EC79"/>
-                </a:solidFill>
-                <a:latin typeface="D2Coding" panose="020B0609020101020101" pitchFamily="49" charset="-127"/>
-                <a:ea typeface="D2Coding" panose="020B0609020101020101" pitchFamily="49" charset="-127"/>
-              </a:rPr>
-              <a:t>n</a:t>
-            </a:r>
-            <a:r>
-              <a:rPr lang="pt-BR" altLang="ko-KR" sz="1200" dirty="0">
-                <a:solidFill>
-                  <a:srgbClr val="D9E8F7"/>
-                </a:solidFill>
-                <a:latin typeface="D2Coding" panose="020B0609020101020101" pitchFamily="49" charset="-127"/>
-                <a:ea typeface="D2Coding" panose="020B0609020101020101" pitchFamily="49" charset="-127"/>
-              </a:rPr>
-              <a:t> </a:t>
-            </a:r>
-            <a:r>
-              <a:rPr lang="pt-BR" altLang="ko-KR" sz="1200" dirty="0">
-                <a:solidFill>
-                  <a:srgbClr val="E6E6FA"/>
-                </a:solidFill>
-                <a:latin typeface="D2Coding" panose="020B0609020101020101" pitchFamily="49" charset="-127"/>
-                <a:ea typeface="D2Coding" panose="020B0609020101020101" pitchFamily="49" charset="-127"/>
-              </a:rPr>
-              <a:t>&lt;</a:t>
-            </a:r>
-            <a:r>
-              <a:rPr lang="pt-BR" altLang="ko-KR" sz="1200" dirty="0">
-                <a:solidFill>
-                  <a:srgbClr val="D9E8F7"/>
-                </a:solidFill>
-                <a:latin typeface="D2Coding" panose="020B0609020101020101" pitchFamily="49" charset="-127"/>
-                <a:ea typeface="D2Coding" panose="020B0609020101020101" pitchFamily="49" charset="-127"/>
-              </a:rPr>
-              <a:t> </a:t>
-            </a:r>
-            <a:r>
-              <a:rPr lang="pt-BR" altLang="ko-KR" sz="1200" dirty="0">
-                <a:solidFill>
-                  <a:srgbClr val="6897BB"/>
-                </a:solidFill>
-                <a:latin typeface="D2Coding" panose="020B0609020101020101" pitchFamily="49" charset="-127"/>
-                <a:ea typeface="D2Coding" panose="020B0609020101020101" pitchFamily="49" charset="-127"/>
-              </a:rPr>
-              <a:t>10</a:t>
-            </a:r>
-            <a:r>
-              <a:rPr lang="pt-BR" altLang="ko-KR" sz="1200" dirty="0">
-                <a:solidFill>
-                  <a:srgbClr val="F9FAF4"/>
-                </a:solidFill>
-                <a:latin typeface="D2Coding" panose="020B0609020101020101" pitchFamily="49" charset="-127"/>
-                <a:ea typeface="D2Coding" panose="020B0609020101020101" pitchFamily="49" charset="-127"/>
-              </a:rPr>
-              <a:t>)</a:t>
-            </a:r>
-            <a:r>
-              <a:rPr lang="pt-BR" altLang="ko-KR" sz="1200" dirty="0">
-                <a:solidFill>
-                  <a:srgbClr val="D9E8F7"/>
-                </a:solidFill>
-                <a:latin typeface="D2Coding" panose="020B0609020101020101" pitchFamily="49" charset="-127"/>
-                <a:ea typeface="D2Coding" panose="020B0609020101020101" pitchFamily="49" charset="-127"/>
-              </a:rPr>
-              <a:t> </a:t>
-            </a:r>
-          </a:p>
-          <a:p>
-            <a:pPr lvl="1"/>
-            <a:r>
-              <a:rPr lang="en-US" altLang="ko-KR" sz="1200" dirty="0" err="1">
-                <a:solidFill>
-                  <a:srgbClr val="1290C3"/>
-                </a:solidFill>
-                <a:latin typeface="D2Coding" panose="020B0609020101020101" pitchFamily="49" charset="-127"/>
-                <a:ea typeface="D2Coding" panose="020B0609020101020101" pitchFamily="49" charset="-127"/>
-              </a:rPr>
-              <a:t>System</a:t>
-            </a:r>
-            <a:r>
-              <a:rPr lang="en-US" altLang="ko-KR" sz="1200" dirty="0" err="1">
-                <a:solidFill>
-                  <a:srgbClr val="E6E6FA"/>
-                </a:solidFill>
-                <a:latin typeface="D2Coding" panose="020B0609020101020101" pitchFamily="49" charset="-127"/>
-                <a:ea typeface="D2Coding" panose="020B0609020101020101" pitchFamily="49" charset="-127"/>
+              <a:rPr lang="ko-KR" altLang="en-US" sz="1400" dirty="0">
+                <a:latin typeface="맑은 고딕" panose="020B0503020000020004" pitchFamily="50" charset="-127"/>
+                <a:ea typeface="맑은 고딕" panose="020B0503020000020004" pitchFamily="50" charset="-127"/>
+              </a:rPr>
+              <a:t>출력한다</a:t>
+            </a:r>
+            <a:r>
+              <a:rPr lang="en-US" altLang="ko-KR" sz="1400" dirty="0">
+                <a:latin typeface="맑은 고딕" panose="020B0503020000020004" pitchFamily="50" charset="-127"/>
+                <a:ea typeface="맑은 고딕" panose="020B0503020000020004" pitchFamily="50" charset="-127"/>
               </a:rPr>
               <a:t>.</a:t>
             </a:r>
-            <a:r>
-              <a:rPr lang="en-US" altLang="ko-KR" sz="1200" b="1" dirty="0" err="1">
-                <a:solidFill>
-                  <a:srgbClr val="8DDAF8"/>
-                </a:solidFill>
-                <a:latin typeface="D2Coding" panose="020B0609020101020101" pitchFamily="49" charset="-127"/>
-                <a:ea typeface="D2Coding" panose="020B0609020101020101" pitchFamily="49" charset="-127"/>
-              </a:rPr>
-              <a:t>out</a:t>
-            </a:r>
-            <a:r>
-              <a:rPr lang="en-US" altLang="ko-KR" sz="1200" b="1" dirty="0" err="1">
-                <a:solidFill>
-                  <a:srgbClr val="E6E6FA"/>
-                </a:solidFill>
-                <a:latin typeface="D2Coding" panose="020B0609020101020101" pitchFamily="49" charset="-127"/>
-                <a:ea typeface="D2Coding" panose="020B0609020101020101" pitchFamily="49" charset="-127"/>
-              </a:rPr>
-              <a:t>.</a:t>
-            </a:r>
-            <a:r>
-              <a:rPr lang="en-US" altLang="ko-KR" sz="1200" b="1" dirty="0" err="1">
-                <a:solidFill>
-                  <a:srgbClr val="A7EC21"/>
-                </a:solidFill>
-                <a:latin typeface="D2Coding" panose="020B0609020101020101" pitchFamily="49" charset="-127"/>
-                <a:ea typeface="D2Coding" panose="020B0609020101020101" pitchFamily="49" charset="-127"/>
-              </a:rPr>
-              <a:t>println</a:t>
-            </a:r>
-            <a:r>
-              <a:rPr lang="en-US" altLang="ko-KR" sz="1200" b="1" dirty="0">
-                <a:solidFill>
-                  <a:srgbClr val="F9FAF4"/>
-                </a:solidFill>
-                <a:latin typeface="D2Coding" panose="020B0609020101020101" pitchFamily="49" charset="-127"/>
-                <a:ea typeface="D2Coding" panose="020B0609020101020101" pitchFamily="49" charset="-127"/>
-              </a:rPr>
-              <a:t>(</a:t>
-            </a:r>
-            <a:r>
-              <a:rPr lang="en-US" altLang="ko-KR" sz="1200" b="1" dirty="0">
-                <a:solidFill>
-                  <a:srgbClr val="17C6A3"/>
-                </a:solidFill>
-                <a:latin typeface="D2Coding" panose="020B0609020101020101" pitchFamily="49" charset="-127"/>
-                <a:ea typeface="D2Coding" panose="020B0609020101020101" pitchFamily="49" charset="-127"/>
-              </a:rPr>
-              <a:t>"0</a:t>
-            </a:r>
-            <a:r>
-              <a:rPr lang="ko-KR" altLang="en-US" sz="1200" b="1" dirty="0">
-                <a:solidFill>
-                  <a:srgbClr val="17C6A3"/>
-                </a:solidFill>
-                <a:latin typeface="D2Coding" panose="020B0609020101020101" pitchFamily="49" charset="-127"/>
-                <a:ea typeface="D2Coding" panose="020B0609020101020101" pitchFamily="49" charset="-127"/>
-              </a:rPr>
-              <a:t>이상 </a:t>
-            </a:r>
-            <a:r>
-              <a:rPr lang="en-US" altLang="ko-KR" sz="1200" b="1" dirty="0">
-                <a:solidFill>
-                  <a:srgbClr val="17C6A3"/>
-                </a:solidFill>
-                <a:latin typeface="D2Coding" panose="020B0609020101020101" pitchFamily="49" charset="-127"/>
-                <a:ea typeface="D2Coding" panose="020B0609020101020101" pitchFamily="49" charset="-127"/>
-              </a:rPr>
-              <a:t>10</a:t>
-            </a:r>
-            <a:r>
-              <a:rPr lang="ko-KR" altLang="en-US" sz="1200" b="1" dirty="0">
-                <a:solidFill>
-                  <a:srgbClr val="17C6A3"/>
-                </a:solidFill>
-                <a:latin typeface="D2Coding" panose="020B0609020101020101" pitchFamily="49" charset="-127"/>
-                <a:ea typeface="D2Coding" panose="020B0609020101020101" pitchFamily="49" charset="-127"/>
-              </a:rPr>
-              <a:t>미만의 수</a:t>
-            </a:r>
-            <a:r>
-              <a:rPr lang="en-US" altLang="ko-KR" sz="1200" b="1" dirty="0">
-                <a:solidFill>
-                  <a:srgbClr val="17C6A3"/>
-                </a:solidFill>
-                <a:latin typeface="D2Coding" panose="020B0609020101020101" pitchFamily="49" charset="-127"/>
-                <a:ea typeface="D2Coding" panose="020B0609020101020101" pitchFamily="49" charset="-127"/>
-              </a:rPr>
-              <a:t>"</a:t>
-            </a:r>
-            <a:r>
-              <a:rPr lang="en-US" altLang="ko-KR" sz="1200" b="1" dirty="0">
-                <a:solidFill>
-                  <a:srgbClr val="F9FAF4"/>
-                </a:solidFill>
-                <a:latin typeface="D2Coding" panose="020B0609020101020101" pitchFamily="49" charset="-127"/>
-                <a:ea typeface="D2Coding" panose="020B0609020101020101" pitchFamily="49" charset="-127"/>
-              </a:rPr>
-              <a:t>)</a:t>
-            </a:r>
-            <a:r>
-              <a:rPr lang="en-US" altLang="ko-KR" sz="1200" b="1" dirty="0">
-                <a:solidFill>
-                  <a:srgbClr val="E6E6FA"/>
-                </a:solidFill>
-                <a:latin typeface="D2Coding" panose="020B0609020101020101" pitchFamily="49" charset="-127"/>
-                <a:ea typeface="D2Coding" panose="020B0609020101020101" pitchFamily="49" charset="-127"/>
-              </a:rPr>
-              <a:t>;</a:t>
-            </a:r>
-          </a:p>
-          <a:p>
-            <a:r>
-              <a:rPr lang="en-US" altLang="ko-KR" sz="1200" dirty="0">
-                <a:solidFill>
-                  <a:srgbClr val="CC6C1D"/>
-                </a:solidFill>
-                <a:latin typeface="D2Coding" panose="020B0609020101020101" pitchFamily="49" charset="-127"/>
-                <a:ea typeface="D2Coding" panose="020B0609020101020101" pitchFamily="49" charset="-127"/>
-              </a:rPr>
-              <a:t>else</a:t>
-            </a:r>
-            <a:r>
-              <a:rPr lang="en-US" altLang="ko-KR" sz="1200" dirty="0">
-                <a:solidFill>
-                  <a:srgbClr val="D9E8F7"/>
-                </a:solidFill>
-                <a:latin typeface="D2Coding" panose="020B0609020101020101" pitchFamily="49" charset="-127"/>
-                <a:ea typeface="D2Coding" panose="020B0609020101020101" pitchFamily="49" charset="-127"/>
-              </a:rPr>
-              <a:t> </a:t>
-            </a:r>
-            <a:r>
-              <a:rPr lang="en-US" altLang="ko-KR" sz="1200" dirty="0">
-                <a:solidFill>
-                  <a:srgbClr val="CC6C1D"/>
-                </a:solidFill>
-                <a:latin typeface="D2Coding" panose="020B0609020101020101" pitchFamily="49" charset="-127"/>
-                <a:ea typeface="D2Coding" panose="020B0609020101020101" pitchFamily="49" charset="-127"/>
-              </a:rPr>
-              <a:t>if</a:t>
-            </a:r>
-            <a:r>
-              <a:rPr lang="en-US" altLang="ko-KR" sz="1200" dirty="0">
-                <a:solidFill>
-                  <a:srgbClr val="D9E8F7"/>
-                </a:solidFill>
-                <a:latin typeface="D2Coding" panose="020B0609020101020101" pitchFamily="49" charset="-127"/>
-                <a:ea typeface="D2Coding" panose="020B0609020101020101" pitchFamily="49" charset="-127"/>
-              </a:rPr>
-              <a:t> </a:t>
-            </a:r>
-            <a:r>
-              <a:rPr lang="en-US" altLang="ko-KR" sz="1200" dirty="0">
-                <a:solidFill>
-                  <a:srgbClr val="F9FAF4"/>
-                </a:solidFill>
-                <a:latin typeface="D2Coding" panose="020B0609020101020101" pitchFamily="49" charset="-127"/>
-                <a:ea typeface="D2Coding" panose="020B0609020101020101" pitchFamily="49" charset="-127"/>
-              </a:rPr>
-              <a:t>(</a:t>
-            </a:r>
-            <a:r>
-              <a:rPr lang="en-US" altLang="ko-KR" sz="1200" dirty="0">
-                <a:solidFill>
-                  <a:srgbClr val="F3EC79"/>
-                </a:solidFill>
-                <a:latin typeface="D2Coding" panose="020B0609020101020101" pitchFamily="49" charset="-127"/>
-                <a:ea typeface="D2Coding" panose="020B0609020101020101" pitchFamily="49" charset="-127"/>
-              </a:rPr>
-              <a:t>n</a:t>
-            </a:r>
-            <a:r>
-              <a:rPr lang="en-US" altLang="ko-KR" sz="1200" dirty="0">
-                <a:solidFill>
-                  <a:srgbClr val="D9E8F7"/>
-                </a:solidFill>
-                <a:latin typeface="D2Coding" panose="020B0609020101020101" pitchFamily="49" charset="-127"/>
-                <a:ea typeface="D2Coding" panose="020B0609020101020101" pitchFamily="49" charset="-127"/>
-              </a:rPr>
-              <a:t> </a:t>
-            </a:r>
-            <a:r>
-              <a:rPr lang="en-US" altLang="ko-KR" sz="1200" dirty="0">
-                <a:solidFill>
-                  <a:srgbClr val="E6E6FA"/>
-                </a:solidFill>
-                <a:latin typeface="D2Coding" panose="020B0609020101020101" pitchFamily="49" charset="-127"/>
-                <a:ea typeface="D2Coding" panose="020B0609020101020101" pitchFamily="49" charset="-127"/>
-              </a:rPr>
-              <a:t>&gt;=</a:t>
-            </a:r>
-            <a:r>
-              <a:rPr lang="en-US" altLang="ko-KR" sz="1200" dirty="0">
-                <a:solidFill>
-                  <a:srgbClr val="D9E8F7"/>
-                </a:solidFill>
-                <a:latin typeface="D2Coding" panose="020B0609020101020101" pitchFamily="49" charset="-127"/>
-                <a:ea typeface="D2Coding" panose="020B0609020101020101" pitchFamily="49" charset="-127"/>
-              </a:rPr>
-              <a:t> </a:t>
-            </a:r>
-            <a:r>
-              <a:rPr lang="en-US" altLang="ko-KR" sz="1200" dirty="0">
-                <a:solidFill>
-                  <a:srgbClr val="6897BB"/>
-                </a:solidFill>
-                <a:latin typeface="D2Coding" panose="020B0609020101020101" pitchFamily="49" charset="-127"/>
-                <a:ea typeface="D2Coding" panose="020B0609020101020101" pitchFamily="49" charset="-127"/>
-              </a:rPr>
-              <a:t>10</a:t>
-            </a:r>
-            <a:r>
-              <a:rPr lang="en-US" altLang="ko-KR" sz="1200" dirty="0">
-                <a:solidFill>
-                  <a:srgbClr val="D9E8F7"/>
-                </a:solidFill>
-                <a:latin typeface="D2Coding" panose="020B0609020101020101" pitchFamily="49" charset="-127"/>
-                <a:ea typeface="D2Coding" panose="020B0609020101020101" pitchFamily="49" charset="-127"/>
-              </a:rPr>
-              <a:t> </a:t>
-            </a:r>
-            <a:r>
-              <a:rPr lang="en-US" altLang="ko-KR" sz="1200" dirty="0">
-                <a:solidFill>
-                  <a:srgbClr val="E6E6FA"/>
-                </a:solidFill>
-                <a:latin typeface="D2Coding" panose="020B0609020101020101" pitchFamily="49" charset="-127"/>
-                <a:ea typeface="D2Coding" panose="020B0609020101020101" pitchFamily="49" charset="-127"/>
-              </a:rPr>
-              <a:t>&amp;&amp;</a:t>
-            </a:r>
-            <a:r>
-              <a:rPr lang="en-US" altLang="ko-KR" sz="1200" dirty="0">
-                <a:solidFill>
-                  <a:srgbClr val="D9E8F7"/>
-                </a:solidFill>
-                <a:latin typeface="D2Coding" panose="020B0609020101020101" pitchFamily="49" charset="-127"/>
-                <a:ea typeface="D2Coding" panose="020B0609020101020101" pitchFamily="49" charset="-127"/>
-              </a:rPr>
-              <a:t> </a:t>
-            </a:r>
-            <a:r>
-              <a:rPr lang="en-US" altLang="ko-KR" sz="1200" dirty="0">
-                <a:solidFill>
-                  <a:srgbClr val="F3EC79"/>
-                </a:solidFill>
-                <a:latin typeface="D2Coding" panose="020B0609020101020101" pitchFamily="49" charset="-127"/>
-                <a:ea typeface="D2Coding" panose="020B0609020101020101" pitchFamily="49" charset="-127"/>
-              </a:rPr>
-              <a:t>n</a:t>
-            </a:r>
-            <a:r>
-              <a:rPr lang="en-US" altLang="ko-KR" sz="1200" dirty="0">
-                <a:solidFill>
-                  <a:srgbClr val="D9E8F7"/>
-                </a:solidFill>
-                <a:latin typeface="D2Coding" panose="020B0609020101020101" pitchFamily="49" charset="-127"/>
-                <a:ea typeface="D2Coding" panose="020B0609020101020101" pitchFamily="49" charset="-127"/>
-              </a:rPr>
-              <a:t> </a:t>
-            </a:r>
-            <a:r>
-              <a:rPr lang="en-US" altLang="ko-KR" sz="1200" dirty="0">
-                <a:solidFill>
-                  <a:srgbClr val="E6E6FA"/>
-                </a:solidFill>
-                <a:latin typeface="D2Coding" panose="020B0609020101020101" pitchFamily="49" charset="-127"/>
-                <a:ea typeface="D2Coding" panose="020B0609020101020101" pitchFamily="49" charset="-127"/>
-              </a:rPr>
-              <a:t>&lt;</a:t>
-            </a:r>
-            <a:r>
-              <a:rPr lang="en-US" altLang="ko-KR" sz="1200" dirty="0">
-                <a:solidFill>
-                  <a:srgbClr val="D9E8F7"/>
-                </a:solidFill>
-                <a:latin typeface="D2Coding" panose="020B0609020101020101" pitchFamily="49" charset="-127"/>
-                <a:ea typeface="D2Coding" panose="020B0609020101020101" pitchFamily="49" charset="-127"/>
-              </a:rPr>
-              <a:t> </a:t>
-            </a:r>
-            <a:r>
-              <a:rPr lang="en-US" altLang="ko-KR" sz="1200" dirty="0">
-                <a:solidFill>
-                  <a:srgbClr val="6897BB"/>
-                </a:solidFill>
-                <a:latin typeface="D2Coding" panose="020B0609020101020101" pitchFamily="49" charset="-127"/>
-                <a:ea typeface="D2Coding" panose="020B0609020101020101" pitchFamily="49" charset="-127"/>
-              </a:rPr>
-              <a:t>20</a:t>
-            </a:r>
-            <a:r>
-              <a:rPr lang="en-US" altLang="ko-KR" sz="1200" dirty="0">
-                <a:solidFill>
-                  <a:srgbClr val="F9FAF4"/>
-                </a:solidFill>
-                <a:latin typeface="D2Coding" panose="020B0609020101020101" pitchFamily="49" charset="-127"/>
-                <a:ea typeface="D2Coding" panose="020B0609020101020101" pitchFamily="49" charset="-127"/>
-              </a:rPr>
-              <a:t>)</a:t>
-            </a:r>
-            <a:r>
-              <a:rPr lang="en-US" altLang="ko-KR" sz="1200" dirty="0">
-                <a:solidFill>
-                  <a:srgbClr val="D9E8F7"/>
-                </a:solidFill>
-                <a:latin typeface="D2Coding" panose="020B0609020101020101" pitchFamily="49" charset="-127"/>
-                <a:ea typeface="D2Coding" panose="020B0609020101020101" pitchFamily="49" charset="-127"/>
-              </a:rPr>
-              <a:t> </a:t>
-            </a:r>
-          </a:p>
-          <a:p>
-            <a:pPr lvl="1"/>
-            <a:r>
-              <a:rPr lang="en-US" altLang="ko-KR" sz="1200" dirty="0" err="1">
-                <a:solidFill>
-                  <a:srgbClr val="1290C3"/>
-                </a:solidFill>
-                <a:latin typeface="D2Coding" panose="020B0609020101020101" pitchFamily="49" charset="-127"/>
-                <a:ea typeface="D2Coding" panose="020B0609020101020101" pitchFamily="49" charset="-127"/>
-              </a:rPr>
-              <a:t>System</a:t>
-            </a:r>
-            <a:r>
-              <a:rPr lang="en-US" altLang="ko-KR" sz="1200" dirty="0" err="1">
-                <a:solidFill>
-                  <a:srgbClr val="E6E6FA"/>
-                </a:solidFill>
-                <a:latin typeface="D2Coding" panose="020B0609020101020101" pitchFamily="49" charset="-127"/>
-                <a:ea typeface="D2Coding" panose="020B0609020101020101" pitchFamily="49" charset="-127"/>
-              </a:rPr>
-              <a:t>.</a:t>
-            </a:r>
-            <a:r>
-              <a:rPr lang="en-US" altLang="ko-KR" sz="1200" b="1" dirty="0" err="1">
-                <a:solidFill>
-                  <a:srgbClr val="8DDAF8"/>
-                </a:solidFill>
-                <a:latin typeface="D2Coding" panose="020B0609020101020101" pitchFamily="49" charset="-127"/>
-                <a:ea typeface="D2Coding" panose="020B0609020101020101" pitchFamily="49" charset="-127"/>
-              </a:rPr>
-              <a:t>out</a:t>
-            </a:r>
-            <a:r>
-              <a:rPr lang="en-US" altLang="ko-KR" sz="1200" b="1" dirty="0" err="1">
-                <a:solidFill>
-                  <a:srgbClr val="E6E6FA"/>
-                </a:solidFill>
-                <a:latin typeface="D2Coding" panose="020B0609020101020101" pitchFamily="49" charset="-127"/>
-                <a:ea typeface="D2Coding" panose="020B0609020101020101" pitchFamily="49" charset="-127"/>
-              </a:rPr>
-              <a:t>.</a:t>
-            </a:r>
-            <a:r>
-              <a:rPr lang="en-US" altLang="ko-KR" sz="1200" b="1" dirty="0" err="1">
-                <a:solidFill>
-                  <a:srgbClr val="A7EC21"/>
-                </a:solidFill>
-                <a:latin typeface="D2Coding" panose="020B0609020101020101" pitchFamily="49" charset="-127"/>
-                <a:ea typeface="D2Coding" panose="020B0609020101020101" pitchFamily="49" charset="-127"/>
-              </a:rPr>
-              <a:t>println</a:t>
-            </a:r>
-            <a:r>
-              <a:rPr lang="en-US" altLang="ko-KR" sz="1200" b="1" dirty="0">
-                <a:solidFill>
-                  <a:srgbClr val="F9FAF4"/>
-                </a:solidFill>
-                <a:latin typeface="D2Coding" panose="020B0609020101020101" pitchFamily="49" charset="-127"/>
-                <a:ea typeface="D2Coding" panose="020B0609020101020101" pitchFamily="49" charset="-127"/>
-              </a:rPr>
-              <a:t>(</a:t>
-            </a:r>
-            <a:r>
-              <a:rPr lang="en-US" altLang="ko-KR" sz="1200" b="1" dirty="0">
-                <a:solidFill>
-                  <a:srgbClr val="17C6A3"/>
-                </a:solidFill>
-                <a:latin typeface="D2Coding" panose="020B0609020101020101" pitchFamily="49" charset="-127"/>
-                <a:ea typeface="D2Coding" panose="020B0609020101020101" pitchFamily="49" charset="-127"/>
-              </a:rPr>
-              <a:t>"10</a:t>
-            </a:r>
-            <a:r>
-              <a:rPr lang="ko-KR" altLang="en-US" sz="1200" b="1" dirty="0">
-                <a:solidFill>
-                  <a:srgbClr val="17C6A3"/>
-                </a:solidFill>
-                <a:latin typeface="D2Coding" panose="020B0609020101020101" pitchFamily="49" charset="-127"/>
-                <a:ea typeface="D2Coding" panose="020B0609020101020101" pitchFamily="49" charset="-127"/>
-              </a:rPr>
-              <a:t>이상 </a:t>
-            </a:r>
-            <a:r>
-              <a:rPr lang="en-US" altLang="ko-KR" sz="1200" b="1" dirty="0">
-                <a:solidFill>
-                  <a:srgbClr val="17C6A3"/>
-                </a:solidFill>
-                <a:latin typeface="D2Coding" panose="020B0609020101020101" pitchFamily="49" charset="-127"/>
-                <a:ea typeface="D2Coding" panose="020B0609020101020101" pitchFamily="49" charset="-127"/>
-              </a:rPr>
-              <a:t>20</a:t>
-            </a:r>
-            <a:r>
-              <a:rPr lang="ko-KR" altLang="en-US" sz="1200" b="1" dirty="0">
-                <a:solidFill>
-                  <a:srgbClr val="17C6A3"/>
-                </a:solidFill>
-                <a:latin typeface="D2Coding" panose="020B0609020101020101" pitchFamily="49" charset="-127"/>
-                <a:ea typeface="D2Coding" panose="020B0609020101020101" pitchFamily="49" charset="-127"/>
-              </a:rPr>
-              <a:t>미만의 수</a:t>
-            </a:r>
-            <a:r>
-              <a:rPr lang="en-US" altLang="ko-KR" sz="1200" b="1" dirty="0">
-                <a:solidFill>
-                  <a:srgbClr val="17C6A3"/>
-                </a:solidFill>
-                <a:latin typeface="D2Coding" panose="020B0609020101020101" pitchFamily="49" charset="-127"/>
-                <a:ea typeface="D2Coding" panose="020B0609020101020101" pitchFamily="49" charset="-127"/>
-              </a:rPr>
-              <a:t>"</a:t>
-            </a:r>
-            <a:r>
-              <a:rPr lang="en-US" altLang="ko-KR" sz="1200" b="1" dirty="0">
-                <a:solidFill>
-                  <a:srgbClr val="F9FAF4"/>
-                </a:solidFill>
-                <a:latin typeface="D2Coding" panose="020B0609020101020101" pitchFamily="49" charset="-127"/>
-                <a:ea typeface="D2Coding" panose="020B0609020101020101" pitchFamily="49" charset="-127"/>
-              </a:rPr>
-              <a:t>)</a:t>
-            </a:r>
-            <a:r>
-              <a:rPr lang="en-US" altLang="ko-KR" sz="1200" b="1" dirty="0">
-                <a:solidFill>
-                  <a:srgbClr val="E6E6FA"/>
-                </a:solidFill>
-                <a:latin typeface="D2Coding" panose="020B0609020101020101" pitchFamily="49" charset="-127"/>
-                <a:ea typeface="D2Coding" panose="020B0609020101020101" pitchFamily="49" charset="-127"/>
-              </a:rPr>
-              <a:t>;</a:t>
-            </a:r>
-          </a:p>
-          <a:p>
-            <a:r>
-              <a:rPr lang="en-US" altLang="ko-KR" sz="1200" dirty="0">
-                <a:solidFill>
-                  <a:srgbClr val="CC6C1D"/>
-                </a:solidFill>
-                <a:latin typeface="D2Coding" panose="020B0609020101020101" pitchFamily="49" charset="-127"/>
-                <a:ea typeface="D2Coding" panose="020B0609020101020101" pitchFamily="49" charset="-127"/>
-              </a:rPr>
-              <a:t>else</a:t>
-            </a:r>
-            <a:r>
-              <a:rPr lang="en-US" altLang="ko-KR" sz="1200" dirty="0">
-                <a:solidFill>
-                  <a:srgbClr val="D9E8F7"/>
-                </a:solidFill>
-                <a:latin typeface="D2Coding" panose="020B0609020101020101" pitchFamily="49" charset="-127"/>
-                <a:ea typeface="D2Coding" panose="020B0609020101020101" pitchFamily="49" charset="-127"/>
-              </a:rPr>
-              <a:t> </a:t>
-            </a:r>
-            <a:r>
-              <a:rPr lang="en-US" altLang="ko-KR" sz="1200" dirty="0">
-                <a:solidFill>
-                  <a:srgbClr val="CC6C1D"/>
-                </a:solidFill>
-                <a:latin typeface="D2Coding" panose="020B0609020101020101" pitchFamily="49" charset="-127"/>
-                <a:ea typeface="D2Coding" panose="020B0609020101020101" pitchFamily="49" charset="-127"/>
-              </a:rPr>
-              <a:t>if</a:t>
-            </a:r>
-            <a:r>
-              <a:rPr lang="en-US" altLang="ko-KR" sz="1200" dirty="0">
-                <a:solidFill>
-                  <a:srgbClr val="D9E8F7"/>
-                </a:solidFill>
-                <a:latin typeface="D2Coding" panose="020B0609020101020101" pitchFamily="49" charset="-127"/>
-                <a:ea typeface="D2Coding" panose="020B0609020101020101" pitchFamily="49" charset="-127"/>
-              </a:rPr>
-              <a:t> </a:t>
-            </a:r>
-            <a:r>
-              <a:rPr lang="en-US" altLang="ko-KR" sz="1200" dirty="0">
-                <a:solidFill>
-                  <a:srgbClr val="F9FAF4"/>
-                </a:solidFill>
-                <a:latin typeface="D2Coding" panose="020B0609020101020101" pitchFamily="49" charset="-127"/>
-                <a:ea typeface="D2Coding" panose="020B0609020101020101" pitchFamily="49" charset="-127"/>
-              </a:rPr>
-              <a:t>(</a:t>
-            </a:r>
-            <a:r>
-              <a:rPr lang="en-US" altLang="ko-KR" sz="1200" dirty="0">
-                <a:solidFill>
-                  <a:srgbClr val="F3EC79"/>
-                </a:solidFill>
-                <a:latin typeface="D2Coding" panose="020B0609020101020101" pitchFamily="49" charset="-127"/>
-                <a:ea typeface="D2Coding" panose="020B0609020101020101" pitchFamily="49" charset="-127"/>
-              </a:rPr>
-              <a:t>n</a:t>
-            </a:r>
-            <a:r>
-              <a:rPr lang="en-US" altLang="ko-KR" sz="1200" dirty="0">
-                <a:solidFill>
-                  <a:srgbClr val="D9E8F7"/>
-                </a:solidFill>
-                <a:latin typeface="D2Coding" panose="020B0609020101020101" pitchFamily="49" charset="-127"/>
-                <a:ea typeface="D2Coding" panose="020B0609020101020101" pitchFamily="49" charset="-127"/>
-              </a:rPr>
-              <a:t> </a:t>
-            </a:r>
-            <a:r>
-              <a:rPr lang="en-US" altLang="ko-KR" sz="1200" dirty="0">
-                <a:solidFill>
-                  <a:srgbClr val="E6E6FA"/>
-                </a:solidFill>
-                <a:latin typeface="D2Coding" panose="020B0609020101020101" pitchFamily="49" charset="-127"/>
-                <a:ea typeface="D2Coding" panose="020B0609020101020101" pitchFamily="49" charset="-127"/>
-              </a:rPr>
-              <a:t>&gt;=</a:t>
-            </a:r>
-            <a:r>
-              <a:rPr lang="en-US" altLang="ko-KR" sz="1200" dirty="0">
-                <a:solidFill>
-                  <a:srgbClr val="D9E8F7"/>
-                </a:solidFill>
-                <a:latin typeface="D2Coding" panose="020B0609020101020101" pitchFamily="49" charset="-127"/>
-                <a:ea typeface="D2Coding" panose="020B0609020101020101" pitchFamily="49" charset="-127"/>
-              </a:rPr>
-              <a:t> </a:t>
-            </a:r>
-            <a:r>
-              <a:rPr lang="en-US" altLang="ko-KR" sz="1200" dirty="0">
-                <a:solidFill>
-                  <a:srgbClr val="6897BB"/>
-                </a:solidFill>
-                <a:latin typeface="D2Coding" panose="020B0609020101020101" pitchFamily="49" charset="-127"/>
-                <a:ea typeface="D2Coding" panose="020B0609020101020101" pitchFamily="49" charset="-127"/>
-              </a:rPr>
-              <a:t>20</a:t>
-            </a:r>
-            <a:r>
-              <a:rPr lang="en-US" altLang="ko-KR" sz="1200" dirty="0">
-                <a:solidFill>
-                  <a:srgbClr val="D9E8F7"/>
-                </a:solidFill>
-                <a:latin typeface="D2Coding" panose="020B0609020101020101" pitchFamily="49" charset="-127"/>
-                <a:ea typeface="D2Coding" panose="020B0609020101020101" pitchFamily="49" charset="-127"/>
-              </a:rPr>
-              <a:t> </a:t>
-            </a:r>
-            <a:r>
-              <a:rPr lang="en-US" altLang="ko-KR" sz="1200" dirty="0">
-                <a:solidFill>
-                  <a:srgbClr val="E6E6FA"/>
-                </a:solidFill>
-                <a:latin typeface="D2Coding" panose="020B0609020101020101" pitchFamily="49" charset="-127"/>
-                <a:ea typeface="D2Coding" panose="020B0609020101020101" pitchFamily="49" charset="-127"/>
-              </a:rPr>
-              <a:t>&amp;&amp;</a:t>
-            </a:r>
-            <a:r>
-              <a:rPr lang="en-US" altLang="ko-KR" sz="1200" dirty="0">
-                <a:solidFill>
-                  <a:srgbClr val="D9E8F7"/>
-                </a:solidFill>
-                <a:latin typeface="D2Coding" panose="020B0609020101020101" pitchFamily="49" charset="-127"/>
-                <a:ea typeface="D2Coding" panose="020B0609020101020101" pitchFamily="49" charset="-127"/>
-              </a:rPr>
-              <a:t> </a:t>
-            </a:r>
-            <a:r>
-              <a:rPr lang="en-US" altLang="ko-KR" sz="1200" dirty="0">
-                <a:solidFill>
-                  <a:srgbClr val="F3EC79"/>
-                </a:solidFill>
-                <a:latin typeface="D2Coding" panose="020B0609020101020101" pitchFamily="49" charset="-127"/>
-                <a:ea typeface="D2Coding" panose="020B0609020101020101" pitchFamily="49" charset="-127"/>
-              </a:rPr>
-              <a:t>n</a:t>
-            </a:r>
-            <a:r>
-              <a:rPr lang="en-US" altLang="ko-KR" sz="1200" dirty="0">
-                <a:solidFill>
-                  <a:srgbClr val="D9E8F7"/>
-                </a:solidFill>
-                <a:latin typeface="D2Coding" panose="020B0609020101020101" pitchFamily="49" charset="-127"/>
-                <a:ea typeface="D2Coding" panose="020B0609020101020101" pitchFamily="49" charset="-127"/>
-              </a:rPr>
-              <a:t> </a:t>
-            </a:r>
-            <a:r>
-              <a:rPr lang="en-US" altLang="ko-KR" sz="1200" dirty="0">
-                <a:solidFill>
-                  <a:srgbClr val="E6E6FA"/>
-                </a:solidFill>
-                <a:latin typeface="D2Coding" panose="020B0609020101020101" pitchFamily="49" charset="-127"/>
-                <a:ea typeface="D2Coding" panose="020B0609020101020101" pitchFamily="49" charset="-127"/>
-              </a:rPr>
-              <a:t>&lt;</a:t>
-            </a:r>
-            <a:r>
-              <a:rPr lang="en-US" altLang="ko-KR" sz="1200" dirty="0">
-                <a:solidFill>
-                  <a:srgbClr val="D9E8F7"/>
-                </a:solidFill>
-                <a:latin typeface="D2Coding" panose="020B0609020101020101" pitchFamily="49" charset="-127"/>
-                <a:ea typeface="D2Coding" panose="020B0609020101020101" pitchFamily="49" charset="-127"/>
-              </a:rPr>
-              <a:t> </a:t>
-            </a:r>
-            <a:r>
-              <a:rPr lang="en-US" altLang="ko-KR" sz="1200" dirty="0">
-                <a:solidFill>
-                  <a:srgbClr val="6897BB"/>
-                </a:solidFill>
-                <a:latin typeface="D2Coding" panose="020B0609020101020101" pitchFamily="49" charset="-127"/>
-                <a:ea typeface="D2Coding" panose="020B0609020101020101" pitchFamily="49" charset="-127"/>
-              </a:rPr>
-              <a:t>30</a:t>
-            </a:r>
-            <a:r>
-              <a:rPr lang="en-US" altLang="ko-KR" sz="1200" dirty="0">
-                <a:solidFill>
-                  <a:srgbClr val="F9FAF4"/>
-                </a:solidFill>
-                <a:latin typeface="D2Coding" panose="020B0609020101020101" pitchFamily="49" charset="-127"/>
-                <a:ea typeface="D2Coding" panose="020B0609020101020101" pitchFamily="49" charset="-127"/>
-              </a:rPr>
-              <a:t>)</a:t>
-            </a:r>
-            <a:r>
-              <a:rPr lang="en-US" altLang="ko-KR" sz="1200" dirty="0">
-                <a:solidFill>
-                  <a:srgbClr val="D9E8F7"/>
-                </a:solidFill>
-                <a:latin typeface="D2Coding" panose="020B0609020101020101" pitchFamily="49" charset="-127"/>
-                <a:ea typeface="D2Coding" panose="020B0609020101020101" pitchFamily="49" charset="-127"/>
-              </a:rPr>
-              <a:t> </a:t>
-            </a:r>
-          </a:p>
-          <a:p>
-            <a:pPr lvl="1"/>
-            <a:r>
-              <a:rPr lang="en-US" altLang="ko-KR" sz="1200" dirty="0" err="1">
-                <a:solidFill>
-                  <a:srgbClr val="1290C3"/>
-                </a:solidFill>
-                <a:latin typeface="D2Coding" panose="020B0609020101020101" pitchFamily="49" charset="-127"/>
-                <a:ea typeface="D2Coding" panose="020B0609020101020101" pitchFamily="49" charset="-127"/>
-              </a:rPr>
-              <a:t>System</a:t>
-            </a:r>
-            <a:r>
-              <a:rPr lang="en-US" altLang="ko-KR" sz="1200" dirty="0" err="1">
-                <a:solidFill>
-                  <a:srgbClr val="E6E6FA"/>
-                </a:solidFill>
-                <a:latin typeface="D2Coding" panose="020B0609020101020101" pitchFamily="49" charset="-127"/>
-                <a:ea typeface="D2Coding" panose="020B0609020101020101" pitchFamily="49" charset="-127"/>
-              </a:rPr>
-              <a:t>.</a:t>
-            </a:r>
-            <a:r>
-              <a:rPr lang="en-US" altLang="ko-KR" sz="1200" b="1" dirty="0" err="1">
-                <a:solidFill>
-                  <a:srgbClr val="8DDAF8"/>
-                </a:solidFill>
-                <a:latin typeface="D2Coding" panose="020B0609020101020101" pitchFamily="49" charset="-127"/>
-                <a:ea typeface="D2Coding" panose="020B0609020101020101" pitchFamily="49" charset="-127"/>
-              </a:rPr>
-              <a:t>out</a:t>
-            </a:r>
-            <a:r>
-              <a:rPr lang="en-US" altLang="ko-KR" sz="1200" b="1" dirty="0" err="1">
-                <a:solidFill>
-                  <a:srgbClr val="E6E6FA"/>
-                </a:solidFill>
-                <a:latin typeface="D2Coding" panose="020B0609020101020101" pitchFamily="49" charset="-127"/>
-                <a:ea typeface="D2Coding" panose="020B0609020101020101" pitchFamily="49" charset="-127"/>
-              </a:rPr>
-              <a:t>.</a:t>
-            </a:r>
-            <a:r>
-              <a:rPr lang="en-US" altLang="ko-KR" sz="1200" b="1" dirty="0" err="1">
-                <a:solidFill>
-                  <a:srgbClr val="A7EC21"/>
-                </a:solidFill>
-                <a:latin typeface="D2Coding" panose="020B0609020101020101" pitchFamily="49" charset="-127"/>
-                <a:ea typeface="D2Coding" panose="020B0609020101020101" pitchFamily="49" charset="-127"/>
-              </a:rPr>
-              <a:t>println</a:t>
-            </a:r>
-            <a:r>
-              <a:rPr lang="en-US" altLang="ko-KR" sz="1200" b="1" dirty="0">
-                <a:solidFill>
-                  <a:srgbClr val="F9FAF4"/>
-                </a:solidFill>
-                <a:latin typeface="D2Coding" panose="020B0609020101020101" pitchFamily="49" charset="-127"/>
-                <a:ea typeface="D2Coding" panose="020B0609020101020101" pitchFamily="49" charset="-127"/>
-              </a:rPr>
-              <a:t>(</a:t>
-            </a:r>
-            <a:r>
-              <a:rPr lang="en-US" altLang="ko-KR" sz="1200" b="1" dirty="0">
-                <a:solidFill>
-                  <a:srgbClr val="17C6A3"/>
-                </a:solidFill>
-                <a:latin typeface="D2Coding" panose="020B0609020101020101" pitchFamily="49" charset="-127"/>
-                <a:ea typeface="D2Coding" panose="020B0609020101020101" pitchFamily="49" charset="-127"/>
-              </a:rPr>
-              <a:t>"20</a:t>
-            </a:r>
-            <a:r>
-              <a:rPr lang="ko-KR" altLang="en-US" sz="1200" b="1" dirty="0">
-                <a:solidFill>
-                  <a:srgbClr val="17C6A3"/>
-                </a:solidFill>
-                <a:latin typeface="D2Coding" panose="020B0609020101020101" pitchFamily="49" charset="-127"/>
-                <a:ea typeface="D2Coding" panose="020B0609020101020101" pitchFamily="49" charset="-127"/>
-              </a:rPr>
-              <a:t>이상 </a:t>
-            </a:r>
-            <a:r>
-              <a:rPr lang="en-US" altLang="ko-KR" sz="1200" b="1" dirty="0">
-                <a:solidFill>
-                  <a:srgbClr val="17C6A3"/>
-                </a:solidFill>
-                <a:latin typeface="D2Coding" panose="020B0609020101020101" pitchFamily="49" charset="-127"/>
-                <a:ea typeface="D2Coding" panose="020B0609020101020101" pitchFamily="49" charset="-127"/>
-              </a:rPr>
-              <a:t>30</a:t>
-            </a:r>
-            <a:r>
-              <a:rPr lang="ko-KR" altLang="en-US" sz="1200" b="1" dirty="0">
-                <a:solidFill>
-                  <a:srgbClr val="17C6A3"/>
-                </a:solidFill>
-                <a:latin typeface="D2Coding" panose="020B0609020101020101" pitchFamily="49" charset="-127"/>
-                <a:ea typeface="D2Coding" panose="020B0609020101020101" pitchFamily="49" charset="-127"/>
-              </a:rPr>
-              <a:t>미만의 수</a:t>
-            </a:r>
-            <a:r>
-              <a:rPr lang="en-US" altLang="ko-KR" sz="1200" b="1" dirty="0">
-                <a:solidFill>
-                  <a:srgbClr val="17C6A3"/>
-                </a:solidFill>
-                <a:latin typeface="D2Coding" panose="020B0609020101020101" pitchFamily="49" charset="-127"/>
-                <a:ea typeface="D2Coding" panose="020B0609020101020101" pitchFamily="49" charset="-127"/>
-              </a:rPr>
-              <a:t>"</a:t>
-            </a:r>
-            <a:r>
-              <a:rPr lang="en-US" altLang="ko-KR" sz="1200" b="1" dirty="0">
-                <a:solidFill>
-                  <a:srgbClr val="F9FAF4"/>
-                </a:solidFill>
-                <a:latin typeface="D2Coding" panose="020B0609020101020101" pitchFamily="49" charset="-127"/>
-                <a:ea typeface="D2Coding" panose="020B0609020101020101" pitchFamily="49" charset="-127"/>
-              </a:rPr>
-              <a:t>)</a:t>
-            </a:r>
-            <a:r>
-              <a:rPr lang="en-US" altLang="ko-KR" sz="1200" b="1" dirty="0">
-                <a:solidFill>
-                  <a:srgbClr val="E6E6FA"/>
-                </a:solidFill>
-                <a:latin typeface="D2Coding" panose="020B0609020101020101" pitchFamily="49" charset="-127"/>
-                <a:ea typeface="D2Coding" panose="020B0609020101020101" pitchFamily="49" charset="-127"/>
-              </a:rPr>
-              <a:t>;</a:t>
-            </a:r>
-          </a:p>
-          <a:p>
-            <a:r>
-              <a:rPr lang="en-US" altLang="ko-KR" sz="1200" dirty="0">
-                <a:solidFill>
-                  <a:srgbClr val="CC6C1D"/>
-                </a:solidFill>
-                <a:latin typeface="D2Coding" panose="020B0609020101020101" pitchFamily="49" charset="-127"/>
-                <a:ea typeface="D2Coding" panose="020B0609020101020101" pitchFamily="49" charset="-127"/>
-              </a:rPr>
-              <a:t>else</a:t>
-            </a:r>
-            <a:r>
-              <a:rPr lang="en-US" altLang="ko-KR" sz="1200" dirty="0">
-                <a:solidFill>
-                  <a:srgbClr val="D9E8F7"/>
-                </a:solidFill>
-                <a:latin typeface="D2Coding" panose="020B0609020101020101" pitchFamily="49" charset="-127"/>
-                <a:ea typeface="D2Coding" panose="020B0609020101020101" pitchFamily="49" charset="-127"/>
-              </a:rPr>
-              <a:t> </a:t>
-            </a:r>
-          </a:p>
-          <a:p>
-            <a:pPr lvl="1"/>
-            <a:r>
-              <a:rPr lang="en-US" altLang="ko-KR" sz="1200" dirty="0" err="1">
-                <a:solidFill>
-                  <a:srgbClr val="1290C3"/>
-                </a:solidFill>
-                <a:latin typeface="D2Coding" panose="020B0609020101020101" pitchFamily="49" charset="-127"/>
-                <a:ea typeface="D2Coding" panose="020B0609020101020101" pitchFamily="49" charset="-127"/>
-              </a:rPr>
-              <a:t>System</a:t>
-            </a:r>
-            <a:r>
-              <a:rPr lang="en-US" altLang="ko-KR" sz="1200" dirty="0" err="1">
-                <a:solidFill>
-                  <a:srgbClr val="E6E6FA"/>
-                </a:solidFill>
-                <a:latin typeface="D2Coding" panose="020B0609020101020101" pitchFamily="49" charset="-127"/>
-                <a:ea typeface="D2Coding" panose="020B0609020101020101" pitchFamily="49" charset="-127"/>
-              </a:rPr>
-              <a:t>.</a:t>
-            </a:r>
-            <a:r>
-              <a:rPr lang="en-US" altLang="ko-KR" sz="1200" b="1" dirty="0" err="1">
-                <a:solidFill>
-                  <a:srgbClr val="8DDAF8"/>
-                </a:solidFill>
-                <a:latin typeface="D2Coding" panose="020B0609020101020101" pitchFamily="49" charset="-127"/>
-                <a:ea typeface="D2Coding" panose="020B0609020101020101" pitchFamily="49" charset="-127"/>
-              </a:rPr>
-              <a:t>out</a:t>
-            </a:r>
-            <a:r>
-              <a:rPr lang="en-US" altLang="ko-KR" sz="1200" b="1" dirty="0" err="1">
-                <a:solidFill>
-                  <a:srgbClr val="E6E6FA"/>
-                </a:solidFill>
-                <a:latin typeface="D2Coding" panose="020B0609020101020101" pitchFamily="49" charset="-127"/>
-                <a:ea typeface="D2Coding" panose="020B0609020101020101" pitchFamily="49" charset="-127"/>
-              </a:rPr>
-              <a:t>.</a:t>
-            </a:r>
-            <a:r>
-              <a:rPr lang="en-US" altLang="ko-KR" sz="1200" b="1" dirty="0" err="1">
-                <a:solidFill>
-                  <a:srgbClr val="A7EC21"/>
-                </a:solidFill>
-                <a:latin typeface="D2Coding" panose="020B0609020101020101" pitchFamily="49" charset="-127"/>
-                <a:ea typeface="D2Coding" panose="020B0609020101020101" pitchFamily="49" charset="-127"/>
-              </a:rPr>
-              <a:t>println</a:t>
-            </a:r>
-            <a:r>
-              <a:rPr lang="en-US" altLang="ko-KR" sz="1200" b="1" dirty="0">
-                <a:solidFill>
-                  <a:srgbClr val="F9FAF4"/>
-                </a:solidFill>
-                <a:latin typeface="D2Coding" panose="020B0609020101020101" pitchFamily="49" charset="-127"/>
-                <a:ea typeface="D2Coding" panose="020B0609020101020101" pitchFamily="49" charset="-127"/>
-              </a:rPr>
-              <a:t>(</a:t>
-            </a:r>
-            <a:r>
-              <a:rPr lang="en-US" altLang="ko-KR" sz="1200" b="1" dirty="0">
-                <a:solidFill>
-                  <a:srgbClr val="17C6A3"/>
-                </a:solidFill>
-                <a:latin typeface="D2Coding" panose="020B0609020101020101" pitchFamily="49" charset="-127"/>
-                <a:ea typeface="D2Coding" panose="020B0609020101020101" pitchFamily="49" charset="-127"/>
-              </a:rPr>
-              <a:t>"30</a:t>
-            </a:r>
-            <a:r>
-              <a:rPr lang="ko-KR" altLang="en-US" sz="1200" b="1" dirty="0">
-                <a:solidFill>
-                  <a:srgbClr val="17C6A3"/>
-                </a:solidFill>
-                <a:latin typeface="D2Coding" panose="020B0609020101020101" pitchFamily="49" charset="-127"/>
-                <a:ea typeface="D2Coding" panose="020B0609020101020101" pitchFamily="49" charset="-127"/>
-              </a:rPr>
-              <a:t>이상의 수</a:t>
-            </a:r>
-            <a:r>
-              <a:rPr lang="en-US" altLang="ko-KR" sz="1200" b="1" dirty="0">
-                <a:solidFill>
-                  <a:srgbClr val="17C6A3"/>
-                </a:solidFill>
-                <a:latin typeface="D2Coding" panose="020B0609020101020101" pitchFamily="49" charset="-127"/>
-                <a:ea typeface="D2Coding" panose="020B0609020101020101" pitchFamily="49" charset="-127"/>
-              </a:rPr>
-              <a:t>"</a:t>
-            </a:r>
-            <a:r>
-              <a:rPr lang="en-US" altLang="ko-KR" sz="1200" b="1" dirty="0">
-                <a:solidFill>
-                  <a:srgbClr val="F9FAF4"/>
-                </a:solidFill>
-                <a:latin typeface="D2Coding" panose="020B0609020101020101" pitchFamily="49" charset="-127"/>
-                <a:ea typeface="D2Coding" panose="020B0609020101020101" pitchFamily="49" charset="-127"/>
-              </a:rPr>
-              <a:t>)</a:t>
-            </a:r>
-            <a:r>
-              <a:rPr lang="en-US" altLang="ko-KR" sz="1200" b="1" dirty="0">
-                <a:solidFill>
-                  <a:srgbClr val="E6E6FA"/>
-                </a:solidFill>
-                <a:latin typeface="D2Coding" panose="020B0609020101020101" pitchFamily="49" charset="-127"/>
-                <a:ea typeface="D2Coding" panose="020B0609020101020101" pitchFamily="49" charset="-127"/>
-              </a:rPr>
-              <a:t>;</a:t>
-            </a:r>
-            <a:endParaRPr lang="en-US" altLang="ko-KR" sz="1200" dirty="0">
-              <a:solidFill>
-                <a:srgbClr val="F9FAF4"/>
-              </a:solidFill>
-              <a:latin typeface="D2Coding" panose="020B0609020101020101" pitchFamily="49" charset="-127"/>
-              <a:ea typeface="D2Coding" panose="020B0609020101020101" pitchFamily="49" charset="-127"/>
-            </a:endParaRPr>
           </a:p>
         </p:txBody>
       </p:sp>
